--- a/manuscript/figures-draft-03-yao-edit-20141021_ChenEdits-jyl.pptx
+++ b/manuscript/figures-draft-03-yao-edit-20141021_ChenEdits-jyl.pptx
@@ -197,7 +197,7 @@
             <a:fld id="{8B4EBA7A-56E1-4937-B6A7-4CCE0E7AD144}" type="datetimeFigureOut">
               <a:rPr lang="en-US" smtClean="0"/>
               <a:pPr/>
-              <a:t>10/29/2014</a:t>
+              <a:t>10/30/14</a:t>
             </a:fld>
             <a:endParaRPr lang="en-US"/>
           </a:p>
@@ -741,7 +741,7 @@
             <a:fld id="{D604A245-C8BD-064D-B7C3-50DA7C8D409F}" type="datetimeFigureOut">
               <a:rPr lang="en-US" smtClean="0"/>
               <a:pPr/>
-              <a:t>10/29/2014</a:t>
+              <a:t>10/30/14</a:t>
             </a:fld>
             <a:endParaRPr lang="en-US"/>
           </a:p>
@@ -913,7 +913,7 @@
             <a:fld id="{D604A245-C8BD-064D-B7C3-50DA7C8D409F}" type="datetimeFigureOut">
               <a:rPr lang="en-US" smtClean="0"/>
               <a:pPr/>
-              <a:t>10/29/2014</a:t>
+              <a:t>10/30/14</a:t>
             </a:fld>
             <a:endParaRPr lang="en-US"/>
           </a:p>
@@ -1095,7 +1095,7 @@
             <a:fld id="{D604A245-C8BD-064D-B7C3-50DA7C8D409F}" type="datetimeFigureOut">
               <a:rPr lang="en-US" smtClean="0"/>
               <a:pPr/>
-              <a:t>10/29/2014</a:t>
+              <a:t>10/30/14</a:t>
             </a:fld>
             <a:endParaRPr lang="en-US"/>
           </a:p>
@@ -1267,7 +1267,7 @@
             <a:fld id="{D604A245-C8BD-064D-B7C3-50DA7C8D409F}" type="datetimeFigureOut">
               <a:rPr lang="en-US" smtClean="0"/>
               <a:pPr/>
-              <a:t>10/29/2014</a:t>
+              <a:t>10/30/14</a:t>
             </a:fld>
             <a:endParaRPr lang="en-US"/>
           </a:p>
@@ -1515,7 +1515,7 @@
             <a:fld id="{D604A245-C8BD-064D-B7C3-50DA7C8D409F}" type="datetimeFigureOut">
               <a:rPr lang="en-US" smtClean="0"/>
               <a:pPr/>
-              <a:t>10/29/2014</a:t>
+              <a:t>10/30/14</a:t>
             </a:fld>
             <a:endParaRPr lang="en-US"/>
           </a:p>
@@ -1805,7 +1805,7 @@
             <a:fld id="{D604A245-C8BD-064D-B7C3-50DA7C8D409F}" type="datetimeFigureOut">
               <a:rPr lang="en-US" smtClean="0"/>
               <a:pPr/>
-              <a:t>10/29/2014</a:t>
+              <a:t>10/30/14</a:t>
             </a:fld>
             <a:endParaRPr lang="en-US"/>
           </a:p>
@@ -2229,7 +2229,7 @@
             <a:fld id="{D604A245-C8BD-064D-B7C3-50DA7C8D409F}" type="datetimeFigureOut">
               <a:rPr lang="en-US" smtClean="0"/>
               <a:pPr/>
-              <a:t>10/29/2014</a:t>
+              <a:t>10/30/14</a:t>
             </a:fld>
             <a:endParaRPr lang="en-US"/>
           </a:p>
@@ -2349,7 +2349,7 @@
             <a:fld id="{D604A245-C8BD-064D-B7C3-50DA7C8D409F}" type="datetimeFigureOut">
               <a:rPr lang="en-US" smtClean="0"/>
               <a:pPr/>
-              <a:t>10/29/2014</a:t>
+              <a:t>10/30/14</a:t>
             </a:fld>
             <a:endParaRPr lang="en-US"/>
           </a:p>
@@ -2446,7 +2446,7 @@
             <a:fld id="{D604A245-C8BD-064D-B7C3-50DA7C8D409F}" type="datetimeFigureOut">
               <a:rPr lang="en-US" smtClean="0"/>
               <a:pPr/>
-              <a:t>10/29/2014</a:t>
+              <a:t>10/30/14</a:t>
             </a:fld>
             <a:endParaRPr lang="en-US"/>
           </a:p>
@@ -2725,7 +2725,7 @@
             <a:fld id="{D604A245-C8BD-064D-B7C3-50DA7C8D409F}" type="datetimeFigureOut">
               <a:rPr lang="en-US" smtClean="0"/>
               <a:pPr/>
-              <a:t>10/29/2014</a:t>
+              <a:t>10/30/14</a:t>
             </a:fld>
             <a:endParaRPr lang="en-US"/>
           </a:p>
@@ -2980,7 +2980,7 @@
             <a:fld id="{D604A245-C8BD-064D-B7C3-50DA7C8D409F}" type="datetimeFigureOut">
               <a:rPr lang="en-US" smtClean="0"/>
               <a:pPr/>
-              <a:t>10/29/2014</a:t>
+              <a:t>10/30/14</a:t>
             </a:fld>
             <a:endParaRPr lang="en-US"/>
           </a:p>
@@ -3195,7 +3195,7 @@
             <a:fld id="{D604A245-C8BD-064D-B7C3-50DA7C8D409F}" type="datetimeFigureOut">
               <a:rPr lang="en-US" smtClean="0"/>
               <a:pPr/>
-              <a:t>10/29/2014</a:t>
+              <a:t>10/30/14</a:t>
             </a:fld>
             <a:endParaRPr lang="en-US"/>
           </a:p>
@@ -3875,7 +3875,7 @@
         </p:nvSpPr>
         <p:spPr>
           <a:xfrm>
-            <a:off x="2312848" y="103173"/>
+            <a:off x="2135048" y="39673"/>
             <a:ext cx="2493817" cy="562307"/>
           </a:xfrm>
           <a:prstGeom prst="rect">
@@ -3933,8 +3933,8 @@
         </p:nvSpPr>
         <p:spPr>
           <a:xfrm>
-            <a:off x="2343381" y="1123949"/>
-            <a:ext cx="2493817" cy="574481"/>
+            <a:off x="1943100" y="1047748"/>
+            <a:ext cx="2894099" cy="623767"/>
           </a:xfrm>
           <a:prstGeom prst="rect">
             <a:avLst/>
@@ -3973,7 +3973,39 @@
                   <a:schemeClr val="tx1"/>
                 </a:solidFill>
               </a:rPr>
-              <a:t>Identification of candidate peaks from the density plot</a:t>
+              <a:t>Identification of candidate peaks </a:t>
+            </a:r>
+            <a:r>
+              <a:rPr lang="en-US" sz="1600" dirty="0" smtClean="0">
+                <a:solidFill>
+                  <a:schemeClr val="tx1"/>
+                </a:solidFill>
+              </a:rPr>
+              <a:t>in</a:t>
+            </a:r>
+            <a:r>
+              <a:rPr lang="en-US" sz="1600" dirty="0" smtClean="0">
+                <a:solidFill>
+                  <a:schemeClr val="tx1"/>
+                </a:solidFill>
+              </a:rPr>
+              <a:t> </a:t>
+            </a:r>
+            <a:r>
+              <a:rPr lang="en-US" sz="1600" dirty="0" smtClean="0">
+                <a:solidFill>
+                  <a:schemeClr val="tx1"/>
+                </a:solidFill>
+              </a:rPr>
+              <a:t>the </a:t>
+            </a:r>
+            <a:r>
+              <a:rPr lang="en-US" sz="1600" dirty="0" smtClean="0">
+                <a:solidFill>
+                  <a:schemeClr val="tx1"/>
+                </a:solidFill>
+              </a:rPr>
+              <a:t>distribution density</a:t>
             </a:r>
             <a:endParaRPr lang="en-US" sz="1600" dirty="0">
               <a:solidFill>
@@ -3991,7 +4023,7 @@
         </p:nvSpPr>
         <p:spPr>
           <a:xfrm>
-            <a:off x="3387089" y="675005"/>
+            <a:off x="3183889" y="624205"/>
             <a:ext cx="396241" cy="436880"/>
           </a:xfrm>
           <a:prstGeom prst="downArrow">
@@ -4029,7 +4061,7 @@
         </p:nvSpPr>
         <p:spPr>
           <a:xfrm>
-            <a:off x="2343381" y="2131255"/>
+            <a:off x="2124939" y="2132728"/>
             <a:ext cx="2493817" cy="573492"/>
           </a:xfrm>
           <a:prstGeom prst="rect">
@@ -4087,7 +4119,7 @@
         </p:nvSpPr>
         <p:spPr>
           <a:xfrm>
-            <a:off x="2333221" y="3167662"/>
+            <a:off x="2124939" y="3153613"/>
             <a:ext cx="2493817" cy="549918"/>
           </a:xfrm>
           <a:prstGeom prst="rect">
@@ -4161,7 +4193,7 @@
         </p:nvSpPr>
         <p:spPr>
           <a:xfrm>
-            <a:off x="2328140" y="4174780"/>
+            <a:off x="2124939" y="4174780"/>
             <a:ext cx="2483656" cy="581544"/>
           </a:xfrm>
           <a:prstGeom prst="rect">
@@ -4217,7 +4249,15 @@
                   <a:schemeClr val="tx1"/>
                 </a:solidFill>
               </a:rPr>
-              <a:t> cell population</a:t>
+              <a:t> cell </a:t>
+            </a:r>
+            <a:r>
+              <a:rPr lang="en-US" sz="1600" dirty="0" smtClean="0">
+                <a:solidFill>
+                  <a:schemeClr val="tx1"/>
+                </a:solidFill>
+              </a:rPr>
+              <a:t>population (if exists)</a:t>
             </a:r>
             <a:endParaRPr lang="en-US" sz="1600" dirty="0">
               <a:solidFill>
@@ -4235,7 +4275,7 @@
         </p:nvSpPr>
         <p:spPr>
           <a:xfrm>
-            <a:off x="3382009" y="1709615"/>
+            <a:off x="3178809" y="1696915"/>
             <a:ext cx="396241" cy="436880"/>
           </a:xfrm>
           <a:prstGeom prst="downArrow">
@@ -4273,7 +4313,7 @@
         </p:nvSpPr>
         <p:spPr>
           <a:xfrm>
-            <a:off x="3376929" y="2716733"/>
+            <a:off x="3173727" y="2716733"/>
             <a:ext cx="396241" cy="436880"/>
           </a:xfrm>
           <a:prstGeom prst="downArrow">
@@ -4311,7 +4351,7 @@
         </p:nvSpPr>
         <p:spPr>
           <a:xfrm>
-            <a:off x="3371848" y="3737900"/>
+            <a:off x="3185157" y="3737900"/>
             <a:ext cx="396241" cy="436880"/>
           </a:xfrm>
           <a:prstGeom prst="downArrow">
@@ -4349,7 +4389,7 @@
         </p:nvSpPr>
         <p:spPr>
           <a:xfrm>
-            <a:off x="2333221" y="5213005"/>
+            <a:off x="2150290" y="5213005"/>
             <a:ext cx="2478575" cy="570238"/>
           </a:xfrm>
           <a:prstGeom prst="rect">
@@ -4443,7 +4483,7 @@
         </p:nvSpPr>
         <p:spPr>
           <a:xfrm>
-            <a:off x="2312848" y="6229350"/>
+            <a:off x="2150290" y="6229350"/>
             <a:ext cx="2498948" cy="532130"/>
           </a:xfrm>
           <a:prstGeom prst="rect">
@@ -4501,7 +4541,7 @@
         </p:nvSpPr>
         <p:spPr>
           <a:xfrm>
-            <a:off x="3371848" y="4776125"/>
+            <a:off x="3178809" y="4776125"/>
             <a:ext cx="396241" cy="436880"/>
           </a:xfrm>
           <a:prstGeom prst="downArrow">
@@ -4539,7 +4579,7 @@
         </p:nvSpPr>
         <p:spPr>
           <a:xfrm>
-            <a:off x="3371848" y="5804825"/>
+            <a:off x="3173727" y="5821343"/>
             <a:ext cx="396241" cy="436880"/>
           </a:xfrm>
           <a:prstGeom prst="downArrow">
@@ -4577,8 +4617,8 @@
         </p:nvSpPr>
         <p:spPr>
           <a:xfrm>
-            <a:off x="4933950" y="1123949"/>
-            <a:ext cx="361950" cy="4659294"/>
+            <a:off x="4837199" y="1123948"/>
+            <a:ext cx="458701" cy="4668521"/>
           </a:xfrm>
           <a:prstGeom prst="rightBrace">
             <a:avLst/>
@@ -4934,14 +4974,14 @@
           </a:ln>
           <a:effectLst/>
           <a:extLst>
-            <a:ext uri="{909E8E84-426E-40DD-AFC4-6F175D3DCCD1}">
+            <a:ext uri="{909E8E84-426E-40dd-AFC4-6F175D3DCCD1}">
               <a14:hiddenFill xmlns:a14="http://schemas.microsoft.com/office/drawing/2010/main">
                 <a:solidFill>
                   <a:schemeClr val="accent1"/>
                 </a:solidFill>
               </a14:hiddenFill>
             </a:ext>
-            <a:ext uri="{91240B29-F687-4F45-9708-019B960494DF}">
+            <a:ext uri="{91240B29-F687-4f45-9708-019B960494DF}">
               <a14:hiddenLine xmlns:a14="http://schemas.microsoft.com/office/drawing/2010/main" w="9525">
                 <a:solidFill>
                   <a:schemeClr val="tx1"/>
@@ -4951,7 +4991,7 @@
                 <a:tailEnd/>
               </a14:hiddenLine>
             </a:ext>
-            <a:ext uri="{AF507438-7753-43E0-B8FC-AC1667EBCBE1}">
+            <a:ext uri="{AF507438-7753-43e0-B8FC-AC1667EBCBE1}">
               <a14:hiddenEffects xmlns:a14="http://schemas.microsoft.com/office/drawing/2010/main">
                 <a:effectLst>
                   <a:outerShdw dist="35921" dir="2700000" algn="ctr" rotWithShape="0">
@@ -4998,14 +5038,14 @@
           </a:ln>
           <a:effectLst/>
           <a:extLst>
-            <a:ext uri="{909E8E84-426E-40DD-AFC4-6F175D3DCCD1}">
+            <a:ext uri="{909E8E84-426E-40dd-AFC4-6F175D3DCCD1}">
               <a14:hiddenFill xmlns:a14="http://schemas.microsoft.com/office/drawing/2010/main">
                 <a:solidFill>
                   <a:schemeClr val="accent1"/>
                 </a:solidFill>
               </a14:hiddenFill>
             </a:ext>
-            <a:ext uri="{91240B29-F687-4F45-9708-019B960494DF}">
+            <a:ext uri="{91240B29-F687-4f45-9708-019B960494DF}">
               <a14:hiddenLine xmlns:a14="http://schemas.microsoft.com/office/drawing/2010/main" w="9525">
                 <a:solidFill>
                   <a:schemeClr val="tx1"/>
@@ -5015,7 +5055,7 @@
                 <a:tailEnd/>
               </a14:hiddenLine>
             </a:ext>
-            <a:ext uri="{AF507438-7753-43E0-B8FC-AC1667EBCBE1}">
+            <a:ext uri="{AF507438-7753-43e0-B8FC-AC1667EBCBE1}">
               <a14:hiddenEffects xmlns:a14="http://schemas.microsoft.com/office/drawing/2010/main">
                 <a:effectLst>
                   <a:outerShdw dist="35921" dir="2700000" algn="ctr" rotWithShape="0">
@@ -5337,11 +5377,6 @@
               </a:rPr>
               <a:t>After extraction </a:t>
             </a:r>
-            <a:endParaRPr lang="en-US" dirty="0" smtClean="0">
-              <a:solidFill>
-                <a:srgbClr val="FF0000"/>
-              </a:solidFill>
-            </a:endParaRPr>
           </a:p>
           <a:p>
             <a:r>
